--- a/AICTE_CS.pptx
+++ b/AICTE_CS.pptx
@@ -219,7 +219,7 @@
           <a:p>
             <a:fld id="{46256A78-79A6-408F-8148-4F87BB81602D}" type="datetimeFigureOut">
               <a:rPr lang="en-IN" smtClean="0"/>
-              <a:t>15-02-2025</a:t>
+              <a:t>25-02-2025</a:t>
             </a:fld>
             <a:endParaRPr lang="en-IN"/>
           </a:p>
@@ -723,7 +723,7 @@
           <a:p>
             <a:fld id="{ED291B17-9318-49DB-B28B-6E5994AE9581}" type="datetime1">
               <a:rPr lang="en-US" smtClean="0"/>
-              <a:t>2/15/2025</a:t>
+              <a:t>2/25/2025</a:t>
             </a:fld>
             <a:endParaRPr lang="en-US"/>
           </a:p>
@@ -932,7 +932,7 @@
           <a:p>
             <a:fld id="{2CED4963-E985-44C4-B8C4-FDD613B7C2F8}" type="datetime1">
               <a:rPr lang="en-US" smtClean="0"/>
-              <a:t>2/15/2025</a:t>
+              <a:t>2/25/2025</a:t>
             </a:fld>
             <a:endParaRPr lang="en-US"/>
           </a:p>
@@ -1300,7 +1300,7 @@
           <a:p>
             <a:fld id="{ED291B17-9318-49DB-B28B-6E5994AE9581}" type="datetime1">
               <a:rPr lang="en-US" smtClean="0"/>
-              <a:t>2/15/2025</a:t>
+              <a:t>2/25/2025</a:t>
             </a:fld>
             <a:endParaRPr lang="en-US"/>
           </a:p>
@@ -1504,7 +1504,7 @@
           <a:p>
             <a:fld id="{78DD82B9-B8EE-4375-B6FF-88FA6ABB15D9}" type="datetime1">
               <a:rPr lang="en-US" smtClean="0"/>
-              <a:t>2/15/2025</a:t>
+              <a:t>2/25/2025</a:t>
             </a:fld>
             <a:endParaRPr lang="en-US"/>
           </a:p>
@@ -1761,7 +1761,7 @@
           <a:p>
             <a:fld id="{B2497495-0637-405E-AE64-5CC7506D51F5}" type="datetime1">
               <a:rPr lang="en-US" smtClean="0"/>
-              <a:t>2/15/2025</a:t>
+              <a:t>2/25/2025</a:t>
             </a:fld>
             <a:endParaRPr lang="en-US"/>
           </a:p>
@@ -2019,7 +2019,7 @@
           <a:p>
             <a:fld id="{7BFFD690-9426-415D-8B65-26881E07B2D4}" type="datetime1">
               <a:rPr lang="en-US" smtClean="0"/>
-              <a:t>2/15/2025</a:t>
+              <a:t>2/25/2025</a:t>
             </a:fld>
             <a:endParaRPr lang="en-US"/>
           </a:p>
@@ -2446,7 +2446,7 @@
           <a:p>
             <a:fld id="{04C4989A-474C-40DE-95B9-011C28B71673}" type="datetime1">
               <a:rPr lang="en-US" smtClean="0"/>
-              <a:t>2/15/2025</a:t>
+              <a:t>2/25/2025</a:t>
             </a:fld>
             <a:endParaRPr lang="en-US"/>
           </a:p>
@@ -2576,7 +2576,7 @@
           <a:p>
             <a:fld id="{5DB4ED54-5B5E-4A04-93D3-5772E3CE3818}" type="datetime1">
               <a:rPr lang="en-US" smtClean="0"/>
-              <a:t>2/15/2025</a:t>
+              <a:t>2/25/2025</a:t>
             </a:fld>
             <a:endParaRPr lang="en-US"/>
           </a:p>
@@ -2679,7 +2679,7 @@
           <a:p>
             <a:fld id="{4EDE50D6-574B-40AF-946F-D52A04ADE379}" type="datetime1">
               <a:rPr lang="en-US" smtClean="0"/>
-              <a:t>2/15/2025</a:t>
+              <a:t>2/25/2025</a:t>
             </a:fld>
             <a:endParaRPr lang="en-US"/>
           </a:p>
@@ -3062,7 +3062,7 @@
           <a:p>
             <a:fld id="{D82884F1-FFEA-405F-9602-3DCA865EDA4E}" type="datetime1">
               <a:rPr lang="en-US" smtClean="0"/>
-              <a:t>2/15/2025</a:t>
+              <a:t>2/25/2025</a:t>
             </a:fld>
             <a:endParaRPr lang="en-US"/>
           </a:p>
@@ -3356,7 +3356,7 @@
           <a:p>
             <a:fld id="{7E18DB4A-8810-4A10-AD5C-D5E2C667F5B3}" type="datetime1">
               <a:rPr lang="en-US" smtClean="0"/>
-              <a:t>2/15/2025</a:t>
+              <a:t>2/25/2025</a:t>
             </a:fld>
             <a:endParaRPr lang="en-US"/>
           </a:p>
@@ -3577,7 +3577,7 @@
           <a:p>
             <a:fld id="{ED291B17-9318-49DB-B28B-6E5994AE9581}" type="datetime1">
               <a:rPr lang="en-US" smtClean="0"/>
-              <a:t>2/15/2025</a:t>
+              <a:t>2/25/2025</a:t>
             </a:fld>
             <a:endParaRPr lang="en-US"/>
           </a:p>
@@ -4512,9 +4512,12 @@
               <a:buNone/>
             </a:pPr>
             <a:r>
-              <a:rPr lang="en-IN" dirty="0"/>
+              <a:rPr lang="en-IN" dirty="0">
+                <a:hlinkClick r:id="rId2"/>
+              </a:rPr>
               <a:t>https://github.com/Priya07-11/aicte_stegnography.git</a:t>
             </a:r>
+            <a:endParaRPr lang="en-IN" dirty="0"/>
           </a:p>
         </p:txBody>
       </p:sp>
@@ -7140,23 +7143,6 @@
 </file>
 
 <file path=customXml/item1.xml><?xml version="1.0" encoding="utf-8"?>
-<p:properties xmlns:p="http://schemas.microsoft.com/office/2006/metadata/properties" xmlns:xsi="http://www.w3.org/2001/XMLSchema-instance" xmlns:pc="http://schemas.microsoft.com/office/infopath/2007/PartnerControls">
-  <documentManagement>
-    <_activity xmlns="b30265f8-c5e2-4918-b4a1-b977299ca3e2" xsi:nil="true"/>
-  </documentManagement>
-</p:properties>
-</file>
-
-<file path=customXml/item2.xml><?xml version="1.0" encoding="utf-8"?>
-<?mso-contentType ?>
-<FormTemplates xmlns="http://schemas.microsoft.com/sharepoint/v3/contenttype/forms">
-  <Display>DocumentLibraryForm</Display>
-  <Edit>DocumentLibraryForm</Edit>
-  <New>DocumentLibraryForm</New>
-</FormTemplates>
-</file>
-
-<file path=customXml/item3.xml><?xml version="1.0" encoding="utf-8"?>
 <ct:contentTypeSchema xmlns:ct="http://schemas.microsoft.com/office/2006/metadata/contentType" xmlns:ma="http://schemas.microsoft.com/office/2006/metadata/properties/metaAttributes" ct:_="" ma:_="" ma:contentTypeName="Document" ma:contentTypeID="0x0101007F0268AC5E70984D8FE60B7154176407" ma:contentTypeVersion="15" ma:contentTypeDescription="Create a new document." ma:contentTypeScope="" ma:versionID="104e359103f0f57b1cf9676756e5b944">
   <xsd:schema xmlns:xsd="http://www.w3.org/2001/XMLSchema" xmlns:xs="http://www.w3.org/2001/XMLSchema" xmlns:p="http://schemas.microsoft.com/office/2006/metadata/properties" xmlns:ns3="b30265f8-c5e2-4918-b4a1-b977299ca3e2" xmlns:ns4="fadb41d3-f9cb-40fb-903c-8cacaba95bb5" targetNamespace="http://schemas.microsoft.com/office/2006/metadata/properties" ma:root="true" ma:fieldsID="5615b8f8aa772998bad551f24a33de0e" ns3:_="" ns4:_="">
     <xsd:import namespace="b30265f8-c5e2-4918-b4a1-b977299ca3e2"/>
@@ -7389,32 +7375,24 @@
 </ct:contentTypeSchema>
 </file>
 
-<file path=customXml/itemProps1.xml><?xml version="1.0" encoding="utf-8"?>
-<ds:datastoreItem xmlns:ds="http://schemas.openxmlformats.org/officeDocument/2006/customXml" ds:itemID="{8D289AE2-D2AE-49D1-AFAC-3A79F6794255}">
-  <ds:schemaRefs>
-    <ds:schemaRef ds:uri="http://schemas.openxmlformats.org/package/2006/metadata/core-properties"/>
-    <ds:schemaRef ds:uri="http://schemas.microsoft.com/office/2006/documentManagement/types"/>
-    <ds:schemaRef ds:uri="http://purl.org/dc/dcmitype/"/>
-    <ds:schemaRef ds:uri="http://schemas.microsoft.com/office/infopath/2007/PartnerControls"/>
-    <ds:schemaRef ds:uri="http://purl.org/dc/elements/1.1/"/>
-    <ds:schemaRef ds:uri="http://schemas.microsoft.com/office/2006/metadata/properties"/>
-    <ds:schemaRef ds:uri="fadb41d3-f9cb-40fb-903c-8cacaba95bb5"/>
-    <ds:schemaRef ds:uri="http://purl.org/dc/terms/"/>
-    <ds:schemaRef ds:uri="b30265f8-c5e2-4918-b4a1-b977299ca3e2"/>
-    <ds:schemaRef ds:uri="http://www.w3.org/XML/1998/namespace"/>
-  </ds:schemaRefs>
-</ds:datastoreItem>
+<file path=customXml/item2.xml><?xml version="1.0" encoding="utf-8"?>
+<?mso-contentType ?>
+<FormTemplates xmlns="http://schemas.microsoft.com/sharepoint/v3/contenttype/forms">
+  <Display>DocumentLibraryForm</Display>
+  <Edit>DocumentLibraryForm</Edit>
+  <New>DocumentLibraryForm</New>
+</FormTemplates>
 </file>
 
-<file path=customXml/itemProps2.xml><?xml version="1.0" encoding="utf-8"?>
-<ds:datastoreItem xmlns:ds="http://schemas.openxmlformats.org/officeDocument/2006/customXml" ds:itemID="{927BD4C1-B6B1-4715-ABF9-E660A51A4EA0}">
-  <ds:schemaRefs>
-    <ds:schemaRef ds:uri="http://schemas.microsoft.com/sharepoint/v3/contenttype/forms"/>
-  </ds:schemaRefs>
-</ds:datastoreItem>
+<file path=customXml/item3.xml><?xml version="1.0" encoding="utf-8"?>
+<p:properties xmlns:p="http://schemas.microsoft.com/office/2006/metadata/properties" xmlns:xsi="http://www.w3.org/2001/XMLSchema-instance" xmlns:pc="http://schemas.microsoft.com/office/infopath/2007/PartnerControls">
+  <documentManagement>
+    <_activity xmlns="b30265f8-c5e2-4918-b4a1-b977299ca3e2" xsi:nil="true"/>
+  </documentManagement>
+</p:properties>
 </file>
 
-<file path=customXml/itemProps3.xml><?xml version="1.0" encoding="utf-8"?>
+<file path=customXml/itemProps1.xml><?xml version="1.0" encoding="utf-8"?>
 <ds:datastoreItem xmlns:ds="http://schemas.openxmlformats.org/officeDocument/2006/customXml" ds:itemID="{9DD71778-17EE-4151-88AE-C8F4E8043BD9}">
   <ds:schemaRefs>
     <ds:schemaRef ds:uri="http://schemas.microsoft.com/office/2006/metadata/contentType"/>
@@ -7431,4 +7409,29 @@
     <ds:schemaRef ds:uri="http://schemas.microsoft.com/internal/obd"/>
   </ds:schemaRefs>
 </ds:datastoreItem>
+</file>
+
+<file path=customXml/itemProps2.xml><?xml version="1.0" encoding="utf-8"?>
+<ds:datastoreItem xmlns:ds="http://schemas.openxmlformats.org/officeDocument/2006/customXml" ds:itemID="{927BD4C1-B6B1-4715-ABF9-E660A51A4EA0}">
+  <ds:schemaRefs>
+    <ds:schemaRef ds:uri="http://schemas.microsoft.com/sharepoint/v3/contenttype/forms"/>
+  </ds:schemaRefs>
+</ds:datastoreItem>
+</file>
+
+<file path=customXml/itemProps3.xml><?xml version="1.0" encoding="utf-8"?>
+<ds:datastoreItem xmlns:ds="http://schemas.openxmlformats.org/officeDocument/2006/customXml" ds:itemID="{8D289AE2-D2AE-49D1-AFAC-3A79F6794255}">
+  <ds:schemaRefs>
+    <ds:schemaRef ds:uri="http://schemas.openxmlformats.org/package/2006/metadata/core-properties"/>
+    <ds:schemaRef ds:uri="http://schemas.microsoft.com/office/2006/documentManagement/types"/>
+    <ds:schemaRef ds:uri="http://purl.org/dc/dcmitype/"/>
+    <ds:schemaRef ds:uri="http://schemas.microsoft.com/office/infopath/2007/PartnerControls"/>
+    <ds:schemaRef ds:uri="http://purl.org/dc/elements/1.1/"/>
+    <ds:schemaRef ds:uri="http://schemas.microsoft.com/office/2006/metadata/properties"/>
+    <ds:schemaRef ds:uri="fadb41d3-f9cb-40fb-903c-8cacaba95bb5"/>
+    <ds:schemaRef ds:uri="http://purl.org/dc/terms/"/>
+    <ds:schemaRef ds:uri="b30265f8-c5e2-4918-b4a1-b977299ca3e2"/>
+    <ds:schemaRef ds:uri="http://www.w3.org/XML/1998/namespace"/>
+  </ds:schemaRefs>
+</ds:datastoreItem>
 </file>